--- a/content/grade7/cycle04/week1/G7_C4_W1_Ocean_Acidification_Slides_Final.pptx
+++ b/content/grade7/cycle04/week1/G7_C4_W1_Ocean_Acidification_Slides_Final.pptx
@@ -3746,8 +3746,8 @@
         </p:nvSpPr>
         <p:spPr>
           <a:xfrm>
-            <a:off x="457200" y="3749039"/>
-            <a:ext cx="8229600" cy="365760"/>
+            <a:off x="457200" y="3730752"/>
+            <a:ext cx="8229600" cy="457200"/>
           </a:xfrm>
           <a:prstGeom prst="rect">
             <a:avLst/>
@@ -3915,8 +3915,8 @@
         </p:nvSpPr>
         <p:spPr>
           <a:xfrm>
-            <a:off x="320040" y="594360"/>
-            <a:ext cx="8503920" cy="274320"/>
+            <a:off x="320040" y="576072"/>
+            <a:ext cx="8503920" cy="365760"/>
           </a:xfrm>
           <a:prstGeom prst="rect">
             <a:avLst/>
@@ -4722,8 +4722,8 @@
         </p:nvSpPr>
         <p:spPr>
           <a:xfrm>
-            <a:off x="457200" y="3291840"/>
-            <a:ext cx="8229600" cy="365760"/>
+            <a:off x="457200" y="3273552"/>
+            <a:ext cx="8229600" cy="457200"/>
           </a:xfrm>
           <a:prstGeom prst="rect">
             <a:avLst/>
@@ -4899,8 +4899,8 @@
         </p:nvSpPr>
         <p:spPr>
           <a:xfrm>
-            <a:off x="320040" y="594360"/>
-            <a:ext cx="8503920" cy="274320"/>
+            <a:off x="320040" y="576072"/>
+            <a:ext cx="8503920" cy="365760"/>
           </a:xfrm>
           <a:prstGeom prst="rect">
             <a:avLst/>
@@ -6153,8 +6153,8 @@
         </p:nvSpPr>
         <p:spPr>
           <a:xfrm>
-            <a:off x="457200" y="4480560"/>
-            <a:ext cx="8229600" cy="365760"/>
+            <a:off x="457200" y="4462272"/>
+            <a:ext cx="8229600" cy="457200"/>
           </a:xfrm>
           <a:prstGeom prst="rect">
             <a:avLst/>
@@ -6286,8 +6286,8 @@
         </p:nvSpPr>
         <p:spPr>
           <a:xfrm>
-            <a:off x="320040" y="594360"/>
-            <a:ext cx="8503920" cy="274320"/>
+            <a:off x="320040" y="576072"/>
+            <a:ext cx="8503920" cy="365760"/>
           </a:xfrm>
           <a:prstGeom prst="rect">
             <a:avLst/>
@@ -6492,8 +6492,8 @@
         </p:nvSpPr>
         <p:spPr>
           <a:xfrm>
-            <a:off x="457200" y="3611880"/>
-            <a:ext cx="8229600" cy="365760"/>
+            <a:off x="457200" y="3593592"/>
+            <a:ext cx="8229600" cy="457200"/>
           </a:xfrm>
           <a:prstGeom prst="rect">
             <a:avLst/>
@@ -9830,8 +9830,8 @@
         </p:nvSpPr>
         <p:spPr>
           <a:xfrm>
-            <a:off x="320040" y="594360"/>
-            <a:ext cx="8503920" cy="274320"/>
+            <a:off x="320040" y="576072"/>
+            <a:ext cx="8503920" cy="365760"/>
           </a:xfrm>
           <a:prstGeom prst="rect">
             <a:avLst/>
@@ -10515,8 +10515,8 @@
         </p:nvSpPr>
         <p:spPr>
           <a:xfrm>
-            <a:off x="457200" y="3474720"/>
-            <a:ext cx="8229600" cy="365760"/>
+            <a:off x="457200" y="3456432"/>
+            <a:ext cx="8229600" cy="457200"/>
           </a:xfrm>
           <a:prstGeom prst="rect">
             <a:avLst/>
@@ -10692,8 +10692,8 @@
         </p:nvSpPr>
         <p:spPr>
           <a:xfrm>
-            <a:off x="320040" y="594360"/>
-            <a:ext cx="8503920" cy="274320"/>
+            <a:off x="320040" y="576072"/>
+            <a:ext cx="8503920" cy="365760"/>
           </a:xfrm>
           <a:prstGeom prst="rect">
             <a:avLst/>
